--- a/Support/FinalPresentation.pptx
+++ b/Support/FinalPresentation.pptx
@@ -104,6 +104,11 @@
       </a:defRPr>
     </a:lvl9pPr>
   </p:defaultTextStyle>
+  <p:extLst>
+    <p:ext uri="{EFAFB233-063F-42B5-8137-9DF3F51BA10A}">
+      <p15:sldGuideLst xmlns:p15="http://schemas.microsoft.com/office/powerpoint/2012/main"/>
+    </p:ext>
+  </p:extLst>
 </p:presentation>
 </file>
 
@@ -254,7 +259,7 @@
           <a:p>
             <a:fld id="{FD4A2178-2ED0-44B8-A89C-EDCF3B7F937F}" type="datetimeFigureOut">
               <a:rPr lang="en-US" smtClean="0"/>
-              <a:t>4/1/2019</a:t>
+              <a:t>11/23/2021</a:t>
             </a:fld>
             <a:endParaRPr lang="en-US"/>
           </a:p>
@@ -452,7 +457,7 @@
           <a:p>
             <a:fld id="{FD4A2178-2ED0-44B8-A89C-EDCF3B7F937F}" type="datetimeFigureOut">
               <a:rPr lang="en-US" smtClean="0"/>
-              <a:t>4/1/2019</a:t>
+              <a:t>11/23/2021</a:t>
             </a:fld>
             <a:endParaRPr lang="en-US"/>
           </a:p>
@@ -660,7 +665,7 @@
           <a:p>
             <a:fld id="{FD4A2178-2ED0-44B8-A89C-EDCF3B7F937F}" type="datetimeFigureOut">
               <a:rPr lang="en-US" smtClean="0"/>
-              <a:t>4/1/2019</a:t>
+              <a:t>11/23/2021</a:t>
             </a:fld>
             <a:endParaRPr lang="en-US"/>
           </a:p>
@@ -858,7 +863,7 @@
           <a:p>
             <a:fld id="{FD4A2178-2ED0-44B8-A89C-EDCF3B7F937F}" type="datetimeFigureOut">
               <a:rPr lang="en-US" smtClean="0"/>
-              <a:t>4/1/2019</a:t>
+              <a:t>11/23/2021</a:t>
             </a:fld>
             <a:endParaRPr lang="en-US"/>
           </a:p>
@@ -1133,7 +1138,7 @@
           <a:p>
             <a:fld id="{FD4A2178-2ED0-44B8-A89C-EDCF3B7F937F}" type="datetimeFigureOut">
               <a:rPr lang="en-US" smtClean="0"/>
-              <a:t>4/1/2019</a:t>
+              <a:t>11/23/2021</a:t>
             </a:fld>
             <a:endParaRPr lang="en-US"/>
           </a:p>
@@ -1398,7 +1403,7 @@
           <a:p>
             <a:fld id="{FD4A2178-2ED0-44B8-A89C-EDCF3B7F937F}" type="datetimeFigureOut">
               <a:rPr lang="en-US" smtClean="0"/>
-              <a:t>4/1/2019</a:t>
+              <a:t>11/23/2021</a:t>
             </a:fld>
             <a:endParaRPr lang="en-US"/>
           </a:p>
@@ -1810,7 +1815,7 @@
           <a:p>
             <a:fld id="{FD4A2178-2ED0-44B8-A89C-EDCF3B7F937F}" type="datetimeFigureOut">
               <a:rPr lang="en-US" smtClean="0"/>
-              <a:t>4/1/2019</a:t>
+              <a:t>11/23/2021</a:t>
             </a:fld>
             <a:endParaRPr lang="en-US"/>
           </a:p>
@@ -1951,7 +1956,7 @@
           <a:p>
             <a:fld id="{FD4A2178-2ED0-44B8-A89C-EDCF3B7F937F}" type="datetimeFigureOut">
               <a:rPr lang="en-US" smtClean="0"/>
-              <a:t>4/1/2019</a:t>
+              <a:t>11/23/2021</a:t>
             </a:fld>
             <a:endParaRPr lang="en-US"/>
           </a:p>
@@ -2064,7 +2069,7 @@
           <a:p>
             <a:fld id="{FD4A2178-2ED0-44B8-A89C-EDCF3B7F937F}" type="datetimeFigureOut">
               <a:rPr lang="en-US" smtClean="0"/>
-              <a:t>4/1/2019</a:t>
+              <a:t>11/23/2021</a:t>
             </a:fld>
             <a:endParaRPr lang="en-US"/>
           </a:p>
@@ -2375,7 +2380,7 @@
           <a:p>
             <a:fld id="{FD4A2178-2ED0-44B8-A89C-EDCF3B7F937F}" type="datetimeFigureOut">
               <a:rPr lang="en-US" smtClean="0"/>
-              <a:t>4/1/2019</a:t>
+              <a:t>11/23/2021</a:t>
             </a:fld>
             <a:endParaRPr lang="en-US"/>
           </a:p>
@@ -2663,7 +2668,7 @@
           <a:p>
             <a:fld id="{FD4A2178-2ED0-44B8-A89C-EDCF3B7F937F}" type="datetimeFigureOut">
               <a:rPr lang="en-US" smtClean="0"/>
-              <a:t>4/1/2019</a:t>
+              <a:t>11/23/2021</a:t>
             </a:fld>
             <a:endParaRPr lang="en-US"/>
           </a:p>
@@ -2904,7 +2909,7 @@
           <a:p>
             <a:fld id="{FD4A2178-2ED0-44B8-A89C-EDCF3B7F937F}" type="datetimeFigureOut">
               <a:rPr lang="en-US" smtClean="0"/>
-              <a:t>4/1/2019</a:t>
+              <a:t>11/23/2021</a:t>
             </a:fld>
             <a:endParaRPr lang="en-US"/>
           </a:p>
@@ -3424,7 +3429,7 @@
             </a:pPr>
             <a:r>
               <a:rPr lang="en-US" dirty="0"/>
-              <a:t>Make a polished project with main elements from class</a:t>
+              <a:t>Create a project/projects with main elements from class</a:t>
             </a:r>
           </a:p>
         </p:txBody>

--- a/Support/FinalPresentation.pptx
+++ b/Support/FinalPresentation.pptx
@@ -259,7 +259,7 @@
           <a:p>
             <a:fld id="{FD4A2178-2ED0-44B8-A89C-EDCF3B7F937F}" type="datetimeFigureOut">
               <a:rPr lang="en-US" smtClean="0"/>
-              <a:t>11/23/2021</a:t>
+              <a:t>12/5/2022</a:t>
             </a:fld>
             <a:endParaRPr lang="en-US"/>
           </a:p>
@@ -457,7 +457,7 @@
           <a:p>
             <a:fld id="{FD4A2178-2ED0-44B8-A89C-EDCF3B7F937F}" type="datetimeFigureOut">
               <a:rPr lang="en-US" smtClean="0"/>
-              <a:t>11/23/2021</a:t>
+              <a:t>12/5/2022</a:t>
             </a:fld>
             <a:endParaRPr lang="en-US"/>
           </a:p>
@@ -665,7 +665,7 @@
           <a:p>
             <a:fld id="{FD4A2178-2ED0-44B8-A89C-EDCF3B7F937F}" type="datetimeFigureOut">
               <a:rPr lang="en-US" smtClean="0"/>
-              <a:t>11/23/2021</a:t>
+              <a:t>12/5/2022</a:t>
             </a:fld>
             <a:endParaRPr lang="en-US"/>
           </a:p>
@@ -863,7 +863,7 @@
           <a:p>
             <a:fld id="{FD4A2178-2ED0-44B8-A89C-EDCF3B7F937F}" type="datetimeFigureOut">
               <a:rPr lang="en-US" smtClean="0"/>
-              <a:t>11/23/2021</a:t>
+              <a:t>12/5/2022</a:t>
             </a:fld>
             <a:endParaRPr lang="en-US"/>
           </a:p>
@@ -1138,7 +1138,7 @@
           <a:p>
             <a:fld id="{FD4A2178-2ED0-44B8-A89C-EDCF3B7F937F}" type="datetimeFigureOut">
               <a:rPr lang="en-US" smtClean="0"/>
-              <a:t>11/23/2021</a:t>
+              <a:t>12/5/2022</a:t>
             </a:fld>
             <a:endParaRPr lang="en-US"/>
           </a:p>
@@ -1403,7 +1403,7 @@
           <a:p>
             <a:fld id="{FD4A2178-2ED0-44B8-A89C-EDCF3B7F937F}" type="datetimeFigureOut">
               <a:rPr lang="en-US" smtClean="0"/>
-              <a:t>11/23/2021</a:t>
+              <a:t>12/5/2022</a:t>
             </a:fld>
             <a:endParaRPr lang="en-US"/>
           </a:p>
@@ -1815,7 +1815,7 @@
           <a:p>
             <a:fld id="{FD4A2178-2ED0-44B8-A89C-EDCF3B7F937F}" type="datetimeFigureOut">
               <a:rPr lang="en-US" smtClean="0"/>
-              <a:t>11/23/2021</a:t>
+              <a:t>12/5/2022</a:t>
             </a:fld>
             <a:endParaRPr lang="en-US"/>
           </a:p>
@@ -1956,7 +1956,7 @@
           <a:p>
             <a:fld id="{FD4A2178-2ED0-44B8-A89C-EDCF3B7F937F}" type="datetimeFigureOut">
               <a:rPr lang="en-US" smtClean="0"/>
-              <a:t>11/23/2021</a:t>
+              <a:t>12/5/2022</a:t>
             </a:fld>
             <a:endParaRPr lang="en-US"/>
           </a:p>
@@ -2069,7 +2069,7 @@
           <a:p>
             <a:fld id="{FD4A2178-2ED0-44B8-A89C-EDCF3B7F937F}" type="datetimeFigureOut">
               <a:rPr lang="en-US" smtClean="0"/>
-              <a:t>11/23/2021</a:t>
+              <a:t>12/5/2022</a:t>
             </a:fld>
             <a:endParaRPr lang="en-US"/>
           </a:p>
@@ -2380,7 +2380,7 @@
           <a:p>
             <a:fld id="{FD4A2178-2ED0-44B8-A89C-EDCF3B7F937F}" type="datetimeFigureOut">
               <a:rPr lang="en-US" smtClean="0"/>
-              <a:t>11/23/2021</a:t>
+              <a:t>12/5/2022</a:t>
             </a:fld>
             <a:endParaRPr lang="en-US"/>
           </a:p>
@@ -2668,7 +2668,7 @@
           <a:p>
             <a:fld id="{FD4A2178-2ED0-44B8-A89C-EDCF3B7F937F}" type="datetimeFigureOut">
               <a:rPr lang="en-US" smtClean="0"/>
-              <a:t>11/23/2021</a:t>
+              <a:t>12/5/2022</a:t>
             </a:fld>
             <a:endParaRPr lang="en-US"/>
           </a:p>
@@ -2909,7 +2909,7 @@
           <a:p>
             <a:fld id="{FD4A2178-2ED0-44B8-A89C-EDCF3B7F937F}" type="datetimeFigureOut">
               <a:rPr lang="en-US" smtClean="0"/>
-              <a:t>11/23/2021</a:t>
+              <a:t>12/5/2022</a:t>
             </a:fld>
             <a:endParaRPr lang="en-US"/>
           </a:p>
@@ -3482,7 +3482,15 @@
             </a:pPr>
             <a:r>
               <a:rPr lang="en-US" u="sng" dirty="0"/>
-              <a:t>What not to do</a:t>
+              <a:t>Bad </a:t>
+            </a:r>
+            <a:r>
+              <a:rPr lang="en-US" u="sng"/>
+              <a:t>Ideas (these </a:t>
+            </a:r>
+            <a:r>
+              <a:rPr lang="en-US" u="sng" dirty="0"/>
+              <a:t>have all happened)</a:t>
             </a:r>
           </a:p>
           <a:p>
@@ -3495,7 +3503,7 @@
             </a:pPr>
             <a:r>
               <a:rPr lang="en-US" dirty="0"/>
-              <a:t>Don’t show up</a:t>
+              <a:t>Skip the final</a:t>
             </a:r>
           </a:p>
           <a:p>
@@ -3521,7 +3529,7 @@
             </a:pPr>
             <a:r>
               <a:rPr lang="en-US" dirty="0"/>
-              <a:t>Show any code during your video</a:t>
+              <a:t>Show code instead of diagrams</a:t>
             </a:r>
           </a:p>
           <a:p>
@@ -3534,7 +3542,7 @@
             </a:pPr>
             <a:r>
               <a:rPr lang="en-US" dirty="0"/>
-              <a:t>Video &gt; 2 Minutes</a:t>
+              <a:t>Video &gt; 2m or &lt; 1:30m</a:t>
             </a:r>
           </a:p>
           <a:p>
@@ -3560,7 +3568,7 @@
             </a:pPr>
             <a:r>
               <a:rPr lang="en-US" dirty="0"/>
-              <a:t>Use video website with sketchy suggested videos</a:t>
+              <a:t>Play from YouTube with sketchy suggested videos</a:t>
             </a:r>
           </a:p>
           <a:p>
@@ -3573,7 +3581,7 @@
             </a:pPr>
             <a:r>
               <a:rPr lang="en-US" dirty="0"/>
-              <a:t>Don’t practice</a:t>
+              <a:t>Skip practicing</a:t>
             </a:r>
           </a:p>
           <a:p>
@@ -3586,7 +3594,7 @@
             </a:pPr>
             <a:r>
               <a:rPr lang="en-US" dirty="0"/>
-              <a:t>Bring up video with lengthy login, download, laptop, connection, USB connection, etc.</a:t>
+              <a:t>Bring up video with lengthy login, download, laptop, AV connection, USB connection, etc.</a:t>
             </a:r>
           </a:p>
           <a:p>
@@ -3625,7 +3633,7 @@
             </a:pPr>
             <a:r>
               <a:rPr lang="en-US" dirty="0"/>
-              <a:t>Don’t talk about main topics</a:t>
+              <a:t>Complain about how bad your project is </a:t>
             </a:r>
           </a:p>
           <a:p>
@@ -3638,7 +3646,7 @@
             </a:pPr>
             <a:r>
               <a:rPr lang="en-US" dirty="0"/>
-              <a:t>Complain about how bad your project is </a:t>
+              <a:t>Talk to the projector screen</a:t>
             </a:r>
           </a:p>
         </p:txBody>
@@ -3718,7 +3726,7 @@
             </a:pPr>
             <a:r>
               <a:rPr lang="en-US" dirty="0"/>
-              <a:t>Combine into one video (&lt;= 2 Minutes) w/o audio</a:t>
+              <a:t>Combine into one video, 1:30m to 2:00m, w/o audio</a:t>
             </a:r>
           </a:p>
           <a:p>
@@ -3731,11 +3739,19 @@
             </a:pPr>
             <a:r>
               <a:rPr lang="en-US" dirty="0"/>
-              <a:t>Upload to Canvas, “UNO Academic Video” (</a:t>
+              <a:t>Upload to Canvas (</a:t>
             </a:r>
             <a:r>
               <a:rPr lang="en-US" dirty="0" err="1"/>
-              <a:t>VidGrid</a:t>
+              <a:t>VigGrid</a:t>
+            </a:r>
+            <a:r>
+              <a:rPr lang="en-US" dirty="0"/>
+              <a:t> or </a:t>
+            </a:r>
+            <a:r>
+              <a:rPr lang="en-US" dirty="0" err="1"/>
+              <a:t>VuJa</a:t>
             </a:r>
             <a:r>
               <a:rPr lang="en-US" dirty="0"/>
@@ -3752,7 +3768,11 @@
             </a:pPr>
             <a:r>
               <a:rPr lang="en-US" dirty="0"/>
-              <a:t>Copy + minify public link (bit.ly or tinyurl.com)</a:t>
+              <a:t>Copy minified link and check on a </a:t>
+            </a:r>
+            <a:r>
+              <a:rPr lang="en-US" i="1" dirty="0"/>
+              <a:t>different computer</a:t>
             </a:r>
           </a:p>
           <a:p>
@@ -3831,7 +3851,7 @@
             </a:pPr>
             <a:r>
               <a:rPr lang="en-US" dirty="0"/>
-              <a:t>Bring up your video quickly with memorable link</a:t>
+              <a:t>Bring up your video with written, minified link</a:t>
             </a:r>
           </a:p>
           <a:p>
@@ -3844,7 +3864,7 @@
             </a:pPr>
             <a:r>
               <a:rPr lang="en-US" dirty="0"/>
-              <a:t>Discuss main points and anything else cool</a:t>
+              <a:t>Discuss main points and everything else cool</a:t>
             </a:r>
           </a:p>
           <a:p>
@@ -3857,7 +3877,7 @@
             </a:pPr>
             <a:r>
               <a:rPr lang="en-US" dirty="0"/>
-              <a:t>Be positive: talk to future employer</a:t>
+              <a:t>Be positive and honest: Talk to future employer</a:t>
             </a:r>
           </a:p>
         </p:txBody>
